--- a/Mini抖音app设计.pptx
+++ b/Mini抖音app设计.pptx
@@ -3732,7 +3732,7 @@
         </p:nvSpPr>
         <p:spPr>
           <a:xfrm>
-            <a:off x="1495425" y="3136900"/>
+            <a:off x="1495425" y="3137535"/>
             <a:ext cx="4934585" cy="583565"/>
           </a:xfrm>
           <a:prstGeom prst="rect">
@@ -3747,15 +3747,43 @@
           <a:p>
             <a:r>
               <a:rPr lang="zh-CN" altLang="en-US" sz="3200"/>
-              <a:t>预览上传的视频</a:t>
+              <a:t>展示已上传</a:t>
+            </a:r>
+            <a:r>
+              <a:rPr lang="zh-CN" altLang="en-US" sz="3200"/>
+              <a:t>的视频</a:t>
             </a:r>
             <a:endParaRPr lang="zh-CN" altLang="en-US" sz="3200"/>
           </a:p>
         </p:txBody>
       </p:sp>
+      <p:pic>
+        <p:nvPicPr>
+          <p:cNvPr id="6" name="图片 5" descr="Screenshot_20190719_141341_com.example.mini_douyi"/>
+          <p:cNvPicPr>
+            <a:picLocks noChangeAspect="1"/>
+          </p:cNvPicPr>
+          <p:nvPr/>
+        </p:nvPicPr>
+        <p:blipFill>
+          <a:blip r:embed="rId1"/>
+          <a:stretch>
+            <a:fillRect/>
+          </a:stretch>
+        </p:blipFill>
+        <p:spPr>
+          <a:xfrm>
+            <a:off x="7113270" y="364490"/>
+            <a:ext cx="2823210" cy="5961380"/>
+          </a:xfrm>
+          <a:prstGeom prst="rect">
+            <a:avLst/>
+          </a:prstGeom>
+        </p:spPr>
+      </p:pic>
     </p:spTree>
     <p:custDataLst>
-      <p:tags r:id="rId1"/>
+      <p:tags r:id="rId2"/>
     </p:custDataLst>
   </p:cSld>
   <p:clrMapOvr>
@@ -3819,15 +3847,43 @@
           <a:p>
             <a:r>
               <a:rPr lang="zh-CN" altLang="en-US" sz="3200"/>
-              <a:t>观看上传的视频</a:t>
+              <a:t>观看已</a:t>
+            </a:r>
+            <a:r>
+              <a:rPr lang="zh-CN" altLang="en-US" sz="3200"/>
+              <a:t>上传的视频</a:t>
             </a:r>
             <a:endParaRPr lang="zh-CN" altLang="en-US" sz="3200"/>
           </a:p>
         </p:txBody>
       </p:sp>
+      <p:pic>
+        <p:nvPicPr>
+          <p:cNvPr id="3" name="图片 2" descr="Screenshot_20190719_141541_com.example.mini_douyi"/>
+          <p:cNvPicPr>
+            <a:picLocks noChangeAspect="1"/>
+          </p:cNvPicPr>
+          <p:nvPr/>
+        </p:nvPicPr>
+        <p:blipFill>
+          <a:blip r:embed="rId1"/>
+          <a:stretch>
+            <a:fillRect/>
+          </a:stretch>
+        </p:blipFill>
+        <p:spPr>
+          <a:xfrm>
+            <a:off x="7101205" y="365125"/>
+            <a:ext cx="2863215" cy="6047105"/>
+          </a:xfrm>
+          <a:prstGeom prst="rect">
+            <a:avLst/>
+          </a:prstGeom>
+        </p:spPr>
+      </p:pic>
     </p:spTree>
     <p:custDataLst>
-      <p:tags r:id="rId1"/>
+      <p:tags r:id="rId2"/>
     </p:custDataLst>
   </p:cSld>
   <p:clrMapOvr>
@@ -3897,9 +3953,33 @@
           </a:p>
         </p:txBody>
       </p:sp>
+      <p:pic>
+        <p:nvPicPr>
+          <p:cNvPr id="3" name="图片 2" descr="Screenshot_20190719_141610_com.example.mini_douyi"/>
+          <p:cNvPicPr>
+            <a:picLocks noChangeAspect="1"/>
+          </p:cNvPicPr>
+          <p:nvPr/>
+        </p:nvPicPr>
+        <p:blipFill>
+          <a:blip r:embed="rId1"/>
+          <a:stretch>
+            <a:fillRect/>
+          </a:stretch>
+        </p:blipFill>
+        <p:spPr>
+          <a:xfrm>
+            <a:off x="7084060" y="365125"/>
+            <a:ext cx="2878455" cy="6078220"/>
+          </a:xfrm>
+          <a:prstGeom prst="rect">
+            <a:avLst/>
+          </a:prstGeom>
+        </p:spPr>
+      </p:pic>
     </p:spTree>
     <p:custDataLst>
-      <p:tags r:id="rId1"/>
+      <p:tags r:id="rId2"/>
     </p:custDataLst>
   </p:cSld>
   <p:clrMapOvr>
@@ -3948,7 +4028,7 @@
         </p:nvSpPr>
         <p:spPr>
           <a:xfrm>
-            <a:off x="1848485" y="3136900"/>
+            <a:off x="2252345" y="3136265"/>
             <a:ext cx="4934585" cy="583565"/>
           </a:xfrm>
           <a:prstGeom prst="rect">
@@ -3969,9 +4049,33 @@
           </a:p>
         </p:txBody>
       </p:sp>
+      <p:pic>
+        <p:nvPicPr>
+          <p:cNvPr id="6" name="图片 5" descr="Screenshot_20190719_141651_com.example.mini_douyi"/>
+          <p:cNvPicPr>
+            <a:picLocks noChangeAspect="1"/>
+          </p:cNvPicPr>
+          <p:nvPr/>
+        </p:nvPicPr>
+        <p:blipFill>
+          <a:blip r:embed="rId1"/>
+          <a:stretch>
+            <a:fillRect/>
+          </a:stretch>
+        </p:blipFill>
+        <p:spPr>
+          <a:xfrm>
+            <a:off x="7065645" y="365125"/>
+            <a:ext cx="2916555" cy="6158865"/>
+          </a:xfrm>
+          <a:prstGeom prst="rect">
+            <a:avLst/>
+          </a:prstGeom>
+        </p:spPr>
+      </p:pic>
     </p:spTree>
     <p:custDataLst>
-      <p:tags r:id="rId1"/>
+      <p:tags r:id="rId2"/>
     </p:custDataLst>
   </p:cSld>
   <p:clrMapOvr>
@@ -4039,7 +4143,7 @@
             </a:pPr>
             <a:r>
               <a:rPr lang="zh-CN" altLang="en-US" sz="3200"/>
-              <a:t>服务器连接</a:t>
+              <a:t>视频封面加载慢</a:t>
             </a:r>
             <a:endParaRPr lang="zh-CN" altLang="en-US" sz="3200"/>
           </a:p>
@@ -4133,7 +4237,7 @@
             </a:pPr>
             <a:r>
               <a:rPr lang="zh-CN" altLang="en-US" sz="3600"/>
-              <a:t>蒋子睿：页面设计，视频传输，视频播放，视频拍摄，</a:t>
+              <a:t>蒋子睿：视频传输，视频播放，</a:t>
             </a:r>
             <a:r>
               <a:rPr lang="zh-CN" altLang="en-US" sz="3600"/>
@@ -4151,7 +4255,7 @@
             </a:pPr>
             <a:r>
               <a:rPr lang="zh-CN" altLang="en-US" sz="3600"/>
-              <a:t>王书含：测试</a:t>
+              <a:t>王书含：页面设计，视频拍摄</a:t>
             </a:r>
             <a:endParaRPr lang="zh-CN" altLang="en-US" sz="3600"/>
           </a:p>
